--- a/results/Sim_10.30.2020/Supp_confmat_Raw1.pptx
+++ b/results/Sim_10.30.2020/Supp_confmat_Raw1.pptx
@@ -3328,10 +3328,10 @@
       </p:grpSpPr>
       <p:pic>
         <p:nvPicPr>
-          <p:cNvPr id="11" name="Picture 10">
-            <a:extLst>
-              <a:ext uri="{FF2B5EF4-FFF2-40B4-BE49-F238E27FC236}">
-                <a16:creationId xmlns:a16="http://schemas.microsoft.com/office/drawing/2014/main" id="{B5DC70A4-3220-B04C-9E4A-EC63E813AF0E}"/>
+          <p:cNvPr id="15" name="Picture 14">
+            <a:extLst>
+              <a:ext uri="{FF2B5EF4-FFF2-40B4-BE49-F238E27FC236}">
+                <a16:creationId xmlns:a16="http://schemas.microsoft.com/office/drawing/2014/main" id="{B072A0B5-20E8-DB46-BBEB-91BE1E73CE7E}"/>
               </a:ext>
             </a:extLst>
           </p:cNvPr>
@@ -3348,8 +3348,8 @@
         </p:blipFill>
         <p:spPr>
           <a:xfrm>
-            <a:off x="1658470" y="0"/>
-            <a:ext cx="8875059" cy="6858000"/>
+            <a:off x="1658471" y="216996"/>
+            <a:ext cx="8594240" cy="6641004"/>
           </a:xfrm>
           <a:prstGeom prst="rect">
             <a:avLst/>
@@ -3544,6 +3544,45 @@
                 <a:latin typeface="Times" pitchFamily="2" charset="0"/>
               </a:rPr>
               <a:t>Estimated value</a:t>
+            </a:r>
+          </a:p>
+        </p:txBody>
+      </p:sp>
+      <p:sp>
+        <p:nvSpPr>
+          <p:cNvPr id="4" name="TextBox 3">
+            <a:extLst>
+              <a:ext uri="{FF2B5EF4-FFF2-40B4-BE49-F238E27FC236}">
+                <a16:creationId xmlns:a16="http://schemas.microsoft.com/office/drawing/2014/main" id="{60DFFF5B-3E69-F941-89AA-B9F3C494C35C}"/>
+              </a:ext>
+            </a:extLst>
+          </p:cNvPr>
+          <p:cNvSpPr txBox="1"/>
+          <p:nvPr/>
+        </p:nvSpPr>
+        <p:spPr>
+          <a:xfrm>
+            <a:off x="4071801" y="34116"/>
+            <a:ext cx="3564374" cy="369332"/>
+          </a:xfrm>
+          <a:prstGeom prst="rect">
+            <a:avLst/>
+          </a:prstGeom>
+          <a:solidFill>
+            <a:schemeClr val="bg1"/>
+          </a:solidFill>
+        </p:spPr>
+        <p:txBody>
+          <a:bodyPr wrap="none" rtlCol="0">
+            <a:spAutoFit/>
+          </a:bodyPr>
+          <a:lstStyle/>
+          <a:p>
+            <a:r>
+              <a:rPr lang="en-US" b="1" dirty="0">
+                <a:latin typeface="Times" pitchFamily="2" charset="0"/>
+              </a:rPr>
+              <a:t>Full Reciprocal Transplant Design</a:t>
             </a:r>
           </a:p>
         </p:txBody>
